--- a/Project1JupyterLanding.pptx
+++ b/Project1JupyterLanding.pptx
@@ -25,7 +25,7 @@
     <p:sldId id="286" r:id="rId19"/>
     <p:sldId id="288" r:id="rId20"/>
     <p:sldId id="287" r:id="rId21"/>
-    <p:sldId id="282" r:id="rId22"/>
+    <p:sldId id="289" r:id="rId22"/>
     <p:sldId id="268" r:id="rId23"/>
     <p:sldId id="264" r:id="rId24"/>
     <p:sldId id="263" r:id="rId25"/>
@@ -467,7 +467,7 @@
           <a:p>
             <a:fld id="{C6EA1183-DBC9-494B-A24A-E38219F5EFF8}" type="datetimeFigureOut">
               <a:rPr lang="en-US" smtClean="0"/>
-              <a:t>1/13/20</a:t>
+              <a:t>1/14/2020</a:t>
             </a:fld>
             <a:endParaRPr lang="en-US"/>
           </a:p>
@@ -791,7 +791,7 @@
           <a:p>
             <a:fld id="{C6EA1183-DBC9-494B-A24A-E38219F5EFF8}" type="datetimeFigureOut">
               <a:rPr lang="en-US" smtClean="0"/>
-              <a:t>1/13/20</a:t>
+              <a:t>1/14/2020</a:t>
             </a:fld>
             <a:endParaRPr lang="en-US"/>
           </a:p>
@@ -1039,7 +1039,7 @@
           <a:p>
             <a:fld id="{C6EA1183-DBC9-494B-A24A-E38219F5EFF8}" type="datetimeFigureOut">
               <a:rPr lang="en-US" smtClean="0"/>
-              <a:t>1/13/20</a:t>
+              <a:t>1/14/2020</a:t>
             </a:fld>
             <a:endParaRPr lang="en-US"/>
           </a:p>
@@ -1378,7 +1378,7 @@
           <a:p>
             <a:fld id="{C6EA1183-DBC9-494B-A24A-E38219F5EFF8}" type="datetimeFigureOut">
               <a:rPr lang="en-US" smtClean="0"/>
-              <a:t>1/13/20</a:t>
+              <a:t>1/14/2020</a:t>
             </a:fld>
             <a:endParaRPr lang="en-US"/>
           </a:p>
@@ -1725,7 +1725,7 @@
           <a:p>
             <a:fld id="{C6EA1183-DBC9-494B-A24A-E38219F5EFF8}" type="datetimeFigureOut">
               <a:rPr lang="en-US" smtClean="0"/>
-              <a:t>1/13/20</a:t>
+              <a:t>1/14/2020</a:t>
             </a:fld>
             <a:endParaRPr lang="en-US"/>
           </a:p>
@@ -2099,7 +2099,7 @@
           <a:p>
             <a:fld id="{C6EA1183-DBC9-494B-A24A-E38219F5EFF8}" type="datetimeFigureOut">
               <a:rPr lang="en-US" smtClean="0"/>
-              <a:t>1/13/20</a:t>
+              <a:t>1/14/2020</a:t>
             </a:fld>
             <a:endParaRPr lang="en-US"/>
           </a:p>
@@ -2569,7 +2569,7 @@
           <a:p>
             <a:fld id="{C6EA1183-DBC9-494B-A24A-E38219F5EFF8}" type="datetimeFigureOut">
               <a:rPr lang="en-US" smtClean="0"/>
-              <a:t>1/13/20</a:t>
+              <a:t>1/14/2020</a:t>
             </a:fld>
             <a:endParaRPr lang="en-US"/>
           </a:p>
@@ -2774,7 +2774,7 @@
           <a:p>
             <a:fld id="{C6EA1183-DBC9-494B-A24A-E38219F5EFF8}" type="datetimeFigureOut">
               <a:rPr lang="en-US" smtClean="0"/>
-              <a:t>1/13/20</a:t>
+              <a:t>1/14/2020</a:t>
             </a:fld>
             <a:endParaRPr lang="en-US"/>
           </a:p>
@@ -2985,7 +2985,7 @@
           <a:p>
             <a:fld id="{C6EA1183-DBC9-494B-A24A-E38219F5EFF8}" type="datetimeFigureOut">
               <a:rPr lang="en-US" smtClean="0"/>
-              <a:t>1/13/20</a:t>
+              <a:t>1/14/2020</a:t>
             </a:fld>
             <a:endParaRPr lang="en-US"/>
           </a:p>
@@ -3217,7 +3217,7 @@
           <a:p>
             <a:fld id="{C6EA1183-DBC9-494B-A24A-E38219F5EFF8}" type="datetimeFigureOut">
               <a:rPr lang="en-US" smtClean="0"/>
-              <a:t>1/13/20</a:t>
+              <a:t>1/14/2020</a:t>
             </a:fld>
             <a:endParaRPr lang="en-US"/>
           </a:p>
@@ -3465,7 +3465,7 @@
           <a:p>
             <a:fld id="{C6EA1183-DBC9-494B-A24A-E38219F5EFF8}" type="datetimeFigureOut">
               <a:rPr lang="en-US" smtClean="0"/>
-              <a:t>1/13/20</a:t>
+              <a:t>1/14/2020</a:t>
             </a:fld>
             <a:endParaRPr lang="en-US"/>
           </a:p>
@@ -3763,7 +3763,7 @@
           <a:p>
             <a:fld id="{C6EA1183-DBC9-494B-A24A-E38219F5EFF8}" type="datetimeFigureOut">
               <a:rPr lang="en-US" smtClean="0"/>
-              <a:t>1/13/20</a:t>
+              <a:t>1/14/2020</a:t>
             </a:fld>
             <a:endParaRPr lang="en-US"/>
           </a:p>
@@ -4157,7 +4157,7 @@
           <a:p>
             <a:fld id="{C6EA1183-DBC9-494B-A24A-E38219F5EFF8}" type="datetimeFigureOut">
               <a:rPr lang="en-US" smtClean="0"/>
-              <a:t>1/13/20</a:t>
+              <a:t>1/14/2020</a:t>
             </a:fld>
             <a:endParaRPr lang="en-US"/>
           </a:p>
@@ -4306,7 +4306,7 @@
           <a:p>
             <a:fld id="{C6EA1183-DBC9-494B-A24A-E38219F5EFF8}" type="datetimeFigureOut">
               <a:rPr lang="en-US" smtClean="0"/>
-              <a:t>1/13/20</a:t>
+              <a:t>1/14/2020</a:t>
             </a:fld>
             <a:endParaRPr lang="en-US"/>
           </a:p>
@@ -4432,7 +4432,7 @@
           <a:p>
             <a:fld id="{C6EA1183-DBC9-494B-A24A-E38219F5EFF8}" type="datetimeFigureOut">
               <a:rPr lang="en-US" smtClean="0"/>
-              <a:t>1/13/20</a:t>
+              <a:t>1/14/2020</a:t>
             </a:fld>
             <a:endParaRPr lang="en-US"/>
           </a:p>
@@ -4687,7 +4687,7 @@
           <a:p>
             <a:fld id="{C6EA1183-DBC9-494B-A24A-E38219F5EFF8}" type="datetimeFigureOut">
               <a:rPr lang="en-US" smtClean="0"/>
-              <a:t>1/13/20</a:t>
+              <a:t>1/14/2020</a:t>
             </a:fld>
             <a:endParaRPr lang="en-US"/>
           </a:p>
@@ -5002,7 +5002,7 @@
           <a:p>
             <a:fld id="{C6EA1183-DBC9-494B-A24A-E38219F5EFF8}" type="datetimeFigureOut">
               <a:rPr lang="en-US" smtClean="0"/>
-              <a:t>1/13/20</a:t>
+              <a:t>1/14/2020</a:t>
             </a:fld>
             <a:endParaRPr lang="en-US"/>
           </a:p>
@@ -5353,7 +5353,7 @@
           <a:p>
             <a:fld id="{C6EA1183-DBC9-494B-A24A-E38219F5EFF8}" type="datetimeFigureOut">
               <a:rPr lang="en-US" smtClean="0"/>
-              <a:t>1/13/20</a:t>
+              <a:t>1/14/2020</a:t>
             </a:fld>
             <a:endParaRPr lang="en-US"/>
           </a:p>
@@ -6686,46 +6686,61 @@
         <p:spPr/>
         <p:txBody>
           <a:bodyPr>
-            <a:normAutofit fontScale="90000"/>
+            <a:normAutofit/>
           </a:bodyPr>
           <a:lstStyle/>
           <a:p>
             <a:r>
-              <a:rPr lang="en-US" dirty="0"/>
-              <a:t>Some Code</a:t>
-            </a:r>
-            <a:br>
-              <a:rPr lang="en-US" dirty="0"/>
-            </a:br>
+              <a:rPr lang="en-US" dirty="0" smtClean="0"/>
+              <a:t>Code</a:t>
+            </a:r>
             <a:endParaRPr lang="en-US" dirty="0"/>
           </a:p>
         </p:txBody>
       </p:sp>
-      <p:sp>
-        <p:nvSpPr>
-          <p:cNvPr id="3" name="Content Placeholder 2">
+      <p:pic>
+        <p:nvPicPr>
+          <p:cNvPr id="1026" name="Picture 2" descr="Image result for code"/>
+          <p:cNvPicPr>
+            <a:picLocks noGrp="1" noChangeAspect="1" noChangeArrowheads="1"/>
+          </p:cNvPicPr>
+          <p:nvPr>
+            <p:ph idx="1"/>
+          </p:nvPr>
+        </p:nvPicPr>
+        <p:blipFill>
+          <a:blip r:embed="rId2">
             <a:extLst>
-              <a:ext uri="{FF2B5EF4-FFF2-40B4-BE49-F238E27FC236}">
-                <a16:creationId xmlns:a16="http://schemas.microsoft.com/office/drawing/2014/main" id="{FFEF35AB-9AF4-B94A-9BBD-291506FDD6B5}"/>
+              <a:ext uri="{28A0092B-C50C-407E-A947-70E740481C1C}">
+                <a14:useLocalDpi xmlns:a14="http://schemas.microsoft.com/office/drawing/2010/main" val="0"/>
               </a:ext>
             </a:extLst>
-          </p:cNvPr>
-          <p:cNvSpPr>
-            <a:spLocks noGrp="1"/>
-          </p:cNvSpPr>
-          <p:nvPr>
-            <p:ph idx="1"/>
-          </p:nvPr>
-        </p:nvSpPr>
-        <p:spPr/>
-        <p:txBody>
-          <a:bodyPr/>
-          <a:lstStyle/>
-          <a:p>
-            <a:endParaRPr lang="en-US" dirty="0"/>
-          </a:p>
-        </p:txBody>
-      </p:sp>
+          </a:blip>
+          <a:srcRect/>
+          <a:stretch>
+            <a:fillRect/>
+          </a:stretch>
+        </p:blipFill>
+        <p:spPr bwMode="auto">
+          <a:xfrm>
+            <a:off x="3737921" y="2557463"/>
+            <a:ext cx="4716157" cy="3317875"/>
+          </a:xfrm>
+          <a:prstGeom prst="rect">
+            <a:avLst/>
+          </a:prstGeom>
+          <a:noFill/>
+          <a:extLst>
+            <a:ext uri="{909E8E84-426E-40DD-AFC4-6F175D3DCCD1}">
+              <a14:hiddenFill xmlns:a14="http://schemas.microsoft.com/office/drawing/2010/main">
+                <a:solidFill>
+                  <a:srgbClr val="FFFFFF"/>
+                </a:solidFill>
+              </a14:hiddenFill>
+            </a:ext>
+          </a:extLst>
+        </p:spPr>
+      </p:pic>
     </p:spTree>
     <p:extLst>
       <p:ext uri="{BB962C8B-B14F-4D97-AF65-F5344CB8AC3E}">
@@ -7096,13 +7111,7 @@
       </p:grpSpPr>
       <p:sp>
         <p:nvSpPr>
-          <p:cNvPr id="2" name="Title 1">
-            <a:extLst>
-              <a:ext uri="{FF2B5EF4-FFF2-40B4-BE49-F238E27FC236}">
-                <a16:creationId xmlns:a16="http://schemas.microsoft.com/office/drawing/2014/main" id="{F45EFEC0-DC73-7E44-A63A-6C62387C3F7F}"/>
-              </a:ext>
-            </a:extLst>
-          </p:cNvPr>
+          <p:cNvPr id="2" name="Title 1"/>
           <p:cNvSpPr>
             <a:spLocks noGrp="1"/>
           </p:cNvSpPr>
@@ -7124,55 +7133,51 @@
       </p:sp>
       <p:sp>
         <p:nvSpPr>
-          <p:cNvPr id="3" name="TextBox 2">
-            <a:extLst>
-              <a:ext uri="{FF2B5EF4-FFF2-40B4-BE49-F238E27FC236}">
-                <a16:creationId xmlns:a16="http://schemas.microsoft.com/office/drawing/2014/main" id="{E019766A-DC98-A549-B0A8-D94C8F6F080E}"/>
-              </a:ext>
-            </a:extLst>
-          </p:cNvPr>
-          <p:cNvSpPr txBox="1"/>
-          <p:nvPr/>
-        </p:nvSpPr>
-        <p:spPr>
-          <a:xfrm>
-            <a:off x="1295402" y="3010327"/>
-            <a:ext cx="9993921" cy="2308324"/>
-          </a:xfrm>
-          <a:prstGeom prst="rect">
-            <a:avLst/>
-          </a:prstGeom>
-          <a:noFill/>
-        </p:spPr>
-        <p:txBody>
-          <a:bodyPr wrap="square" rtlCol="0">
-            <a:spAutoFit/>
-          </a:bodyPr>
-          <a:lstStyle/>
+          <p:cNvPr id="3" name="Content Placeholder 2"/>
+          <p:cNvSpPr>
+            <a:spLocks noGrp="1"/>
+          </p:cNvSpPr>
+          <p:nvPr>
+            <p:ph idx="1"/>
+          </p:nvPr>
+        </p:nvSpPr>
+        <p:spPr/>
+        <p:txBody>
+          <a:bodyPr/>
+          <a:lstStyle/>
+          <a:p>
+            <a:r>
+              <a:rPr lang="en-US" dirty="0" smtClean="0"/>
+              <a:t>After completing our data visualization, there seems to be no correlation between the unemployment rate and GDP, earnings, CPI or productivity.</a:t>
+            </a:r>
+          </a:p>
+          <a:p>
+            <a:r>
+              <a:rPr lang="en-US" dirty="0" smtClean="0"/>
+              <a:t>There does however seem to be a correlation between productivity and earnings.</a:t>
+            </a:r>
+          </a:p>
+          <a:p>
+            <a:r>
+              <a:rPr lang="en-US" dirty="0" smtClean="0"/>
+              <a:t>We also observed an increase in earnings that was greater than the rate of inflation.</a:t>
+            </a:r>
+          </a:p>
+          <a:p>
+            <a:endParaRPr lang="en-US" dirty="0" smtClean="0"/>
+          </a:p>
+          <a:p>
+            <a:endParaRPr lang="en-US" dirty="0" smtClean="0"/>
+          </a:p>
           <a:p>
             <a:endParaRPr lang="en-US" dirty="0"/>
-          </a:p>
-          <a:p>
-            <a:r>
-              <a:rPr lang="en-US" dirty="0"/>
-              <a:t>Answer the questions</a:t>
-            </a:r>
-          </a:p>
-          <a:p>
-            <a:endParaRPr lang="en-US" dirty="0"/>
-          </a:p>
-          <a:p>
-            <a:r>
-              <a:rPr lang="en-US" dirty="0"/>
-              <a:t>Our findings show that productivity over the past 20 years has not gone up as high as we previously assumed, and it seems that paid wages have gone up considerably higher than we thought and has outpaced the rate of productivity in the US. We can also conclude that earnings and consumer price index are rising at the same pace over the past 20 years, showing that people are making enough money to afford the average “basket of goods” in the US.</a:t>
-            </a:r>
           </a:p>
         </p:txBody>
       </p:sp>
     </p:spTree>
     <p:extLst>
       <p:ext uri="{BB962C8B-B14F-4D97-AF65-F5344CB8AC3E}">
-        <p14:creationId xmlns:p14="http://schemas.microsoft.com/office/powerpoint/2010/main" val="543775839"/>
+        <p14:creationId xmlns:p14="http://schemas.microsoft.com/office/powerpoint/2010/main" val="2364923524"/>
       </p:ext>
     </p:extLst>
   </p:cSld>
@@ -7237,20 +7242,15 @@
           <a:lstStyle/>
           <a:p>
             <a:r>
-              <a:rPr lang="en-US" dirty="0"/>
-              <a:t>a.      Productivity has very slowly risen over the past 20 years, being greatly surpassed by average earnings. This shows us that although it is a common assumption, the work force in the US has been tasked with more work, but far greater pay on average.</a:t>
-            </a:r>
-          </a:p>
-          <a:p>
-            <a:endParaRPr lang="en-US" dirty="0"/>
-          </a:p>
-          <a:p>
-            <a:r>
-              <a:rPr lang="en-US" dirty="0"/>
-              <a:t>(assumption and may be different if more granular look at data…bill gates average)</a:t>
-            </a:r>
-          </a:p>
-          <a:p>
+              <a:rPr lang="en-US" dirty="0" smtClean="0"/>
+              <a:t>Some of our findings seem to be in contrast to conventional thinking, mainly the idea that earnings has been stagnant since the recent recession. This however could still be the case for the majority of American workers, since we observed an increase in the average hourly earnings that may be driven by top end earnings increase.</a:t>
+            </a:r>
+          </a:p>
+          <a:p>
+            <a:r>
+              <a:rPr lang="en-US" dirty="0" smtClean="0"/>
+              <a:t> We also observed that the year over year change of these factors are a more closely correlated compared to the overall rate, probably due to the impact that time has on GDP.</a:t>
+            </a:r>
             <a:endParaRPr lang="en-US" dirty="0"/>
           </a:p>
         </p:txBody>
@@ -7442,7 +7442,7 @@
         </p:spPr>
         <p:txBody>
           <a:bodyPr>
-            <a:normAutofit lnSpcReduction="10000"/>
+            <a:normAutofit fontScale="92500" lnSpcReduction="10000"/>
           </a:bodyPr>
           <a:lstStyle/>
           <a:p>
@@ -7462,6 +7462,14 @@
               <a:rPr lang="en-US" dirty="0"/>
               <a:t>We also intend on including the SAP 500 moving average as well as housing prices, in order to investigate the impact these factors have on both the stock and housing markets. </a:t>
             </a:r>
+            <a:endParaRPr lang="en-US" dirty="0" smtClean="0"/>
+          </a:p>
+          <a:p>
+            <a:r>
+              <a:rPr lang="en-US" dirty="0" smtClean="0"/>
+              <a:t>We also intend to analyze earning data in four cohorts to see if gains in average hourly earning is skewed by an increase in high end earning growth.</a:t>
+            </a:r>
+            <a:endParaRPr lang="en-US" dirty="0"/>
           </a:p>
         </p:txBody>
       </p:sp>
